--- a/PPT/C语言大学教程-第6章-数组习题课.pptx
+++ b/PPT/C语言大学教程-第6章-数组习题课.pptx
@@ -6,7 +6,7 @@
     <p:sldMasterId id="2147483661" r:id="rId2"/>
   </p:sldMasterIdLst>
   <p:notesMasterIdLst>
-    <p:notesMasterId r:id="rId24"/>
+    <p:notesMasterId r:id="rId23"/>
   </p:notesMasterIdLst>
   <p:sldIdLst>
     <p:sldId id="267" r:id="rId3"/>
@@ -29,12 +29,11 @@
     <p:sldId id="277" r:id="rId20"/>
     <p:sldId id="278" r:id="rId21"/>
     <p:sldId id="268" r:id="rId22"/>
-    <p:sldId id="279" r:id="rId23"/>
   </p:sldIdLst>
   <p:sldSz cx="12192000" cy="6858000"/>
   <p:notesSz cx="6858000" cy="9144000"/>
   <p:custDataLst>
-    <p:tags r:id="rId25"/>
+    <p:tags r:id="rId24"/>
   </p:custDataLst>
   <p:defaultTextStyle>
     <a:defPPr>
@@ -23543,86 +23542,6 @@
     <a:masterClrMapping/>
   </p:clrMapOvr>
   <p:transition spd="slow"/>
-</p:sld>
-</file>
-
-<file path=ppt/slides/slide21.xml><?xml version="1.0" encoding="utf-8"?>
-<p:sld xmlns:a="http://schemas.openxmlformats.org/drawingml/2006/main" xmlns:r="http://schemas.openxmlformats.org/officeDocument/2006/relationships" xmlns:p="http://schemas.openxmlformats.org/presentationml/2006/main">
-  <p:cSld>
-    <p:spTree>
-      <p:nvGrpSpPr>
-        <p:cNvPr id="1" name="">
-          <a:extLst>
-            <a:ext uri="{FF2B5EF4-FFF2-40B4-BE49-F238E27FC236}">
-              <a16:creationId xmlns:a16="http://schemas.microsoft.com/office/drawing/2014/main" id="{C37F190D-7BCF-9FF8-10F4-66B32B5C4349}"/>
-            </a:ext>
-          </a:extLst>
-        </p:cNvPr>
-        <p:cNvGrpSpPr/>
-        <p:nvPr/>
-      </p:nvGrpSpPr>
-      <p:grpSpPr>
-        <a:xfrm>
-          <a:off x="0" y="0"/>
-          <a:ext cx="0" cy="0"/>
-          <a:chOff x="0" y="0"/>
-          <a:chExt cx="0" cy="0"/>
-        </a:xfrm>
-      </p:grpSpPr>
-      <p:sp>
-        <p:nvSpPr>
-          <p:cNvPr id="2" name="文本框 1">
-            <a:extLst>
-              <a:ext uri="{FF2B5EF4-FFF2-40B4-BE49-F238E27FC236}">
-                <a16:creationId xmlns:a16="http://schemas.microsoft.com/office/drawing/2014/main" id="{734D1198-0EC5-E3B3-963D-6D1C449B2061}"/>
-              </a:ext>
-            </a:extLst>
-          </p:cNvPr>
-          <p:cNvSpPr txBox="1"/>
-          <p:nvPr/>
-        </p:nvSpPr>
-        <p:spPr>
-          <a:xfrm>
-            <a:off x="933832" y="546402"/>
-            <a:ext cx="8811060" cy="369332"/>
-          </a:xfrm>
-          <a:prstGeom prst="rect">
-            <a:avLst/>
-          </a:prstGeom>
-          <a:noFill/>
-          <a:ln>
-            <a:solidFill>
-              <a:schemeClr val="accent1"/>
-            </a:solidFill>
-          </a:ln>
-        </p:spPr>
-        <p:txBody>
-          <a:bodyPr wrap="square" rtlCol="0">
-            <a:spAutoFit/>
-          </a:bodyPr>
-          <a:lstStyle/>
-          <a:p>
-            <a:pPr algn="l">
-              <a:spcAft>
-                <a:spcPts val="75"/>
-              </a:spcAft>
-              <a:buFont typeface="+mj-lt"/>
-              <a:buAutoNum type="arabicPeriod"/>
-            </a:pPr>
-            <a:endParaRPr lang="zh-CN" altLang="en-US" dirty="0"/>
-          </a:p>
-        </p:txBody>
-      </p:sp>
-    </p:spTree>
-    <p:extLst>
-      <p:ext uri="{BB962C8B-B14F-4D97-AF65-F5344CB8AC3E}">
-        <p14:creationId xmlns:p14="http://schemas.microsoft.com/office/powerpoint/2010/main" val="2430781630"/>
-      </p:ext>
-    </p:extLst>
-  </p:cSld>
-  <p:clrMapOvr>
-    <a:masterClrMapping/>
-  </p:clrMapOvr>
 </p:sld>
 </file>
 
